--- a/Документация/Презентация по Проектной работе «Search Profession».pptx
+++ b/Документация/Презентация по Проектной работе «Search Profession».pptx
@@ -135,7 +135,7 @@
 <file path=ppt/revisionInfo.xml><?xml version="1.0" encoding="utf-8"?>
 <p1510:revInfo xmlns:a="http://schemas.openxmlformats.org/drawingml/2006/main" xmlns:r="http://schemas.openxmlformats.org/officeDocument/2006/relationships" xmlns:p1510="http://schemas.microsoft.com/office/powerpoint/2015/10/main">
   <p1510:revLst>
-    <p1510:client id="{BB8F8909-40E2-4CF9-925A-E9A50D5AFABA}" v="1739" dt="2022-05-10T14:44:44.079"/>
+    <p1510:client id="{BB8F8909-40E2-4CF9-925A-E9A50D5AFABA}" v="1996" dt="2022-05-10T17:44:07.419"/>
   </p1510:revLst>
 </p1510:revInfo>
 </file>
@@ -1079,7 +1079,7 @@
           <a:p>
             <a:fld id="{76D73D1A-6084-4304-99B6-284B940079FF}" type="slidenum">
               <a:rPr lang="ru-RU" smtClean="0"/>
-              <a:t>11</a:t>
+              <a:t>12</a:t>
             </a:fld>
             <a:endParaRPr lang="ru-RU" dirty="0"/>
           </a:p>
@@ -5723,23 +5723,39 @@
             </a:r>
           </a:p>
           <a:p>
-            <a:pPr>
+            <a:pPr marL="305435" indent="-305435">
               <a:buFont typeface="Wingdings" panose="05000000000000000000" pitchFamily="2" charset="2"/>
               <a:buChar char="§"/>
             </a:pPr>
             <a:r>
-              <a:rPr lang="ru-RU" dirty="0"/>
-              <a:t>Самым главным, является последующее ускорение работы программы, ведь на данный момент расчёт всех шансов является хоть и правильным, но достаточно медлительным</a:t>
-            </a:r>
-          </a:p>
-          <a:p>
-            <a:pPr>
+              <a:rPr lang="ru-RU" dirty="0">
+                <a:latin typeface="Corbel"/>
+              </a:rPr>
+              <a:t>Самым главным, является последующее добавление большего спектра выбора профессий, а также увеличения количества фильтров, что будет как удобно, так и достаточно эффективно</a:t>
+            </a:r>
+          </a:p>
+          <a:p>
+            <a:pPr marL="305435" indent="-305435">
               <a:buFont typeface="Wingdings" panose="05000000000000000000" pitchFamily="2" charset="2"/>
               <a:buChar char="§"/>
             </a:pPr>
             <a:r>
-              <a:rPr lang="ru-RU" dirty="0"/>
-              <a:t>Также в дальнейшем хотелось бы учесть тот фактор, что при игре стоит обращать внимание также и на оппонентов, в связи с чем и добавить реализацию учёта действий оппонентов – ранних ставок, поздних ставок, меньших или больших</a:t>
+              <a:rPr lang="ru-RU" dirty="0">
+                <a:latin typeface="Corbel"/>
+              </a:rPr>
+              <a:t>Второе, что хотелось бы, так это учесть фактор того, что люди не только из Москвы могли бы воспользоваться данным решением, так что стоит рассматривать и другие города, возможно, и другие страны</a:t>
+            </a:r>
+          </a:p>
+          <a:p>
+            <a:pPr marL="305435" indent="-305435">
+              <a:buFont typeface="Wingdings" panose="05000000000000000000" pitchFamily="2" charset="2"/>
+              <a:buChar char="§"/>
+            </a:pPr>
+            <a:r>
+              <a:rPr lang="ru-RU" dirty="0">
+                <a:latin typeface="Corbel"/>
+              </a:rPr>
+              <a:t>Последним этапом послужит улучшение строкового анализа при просмотре вакансий, а также рассмотрение удалённых мест работы</a:t>
             </a:r>
           </a:p>
         </p:txBody>
@@ -8857,20 +8873,20 @@
 </file>
 
 <file path=customXml/item1.xml><?xml version="1.0" encoding="utf-8"?>
+<p:properties xmlns:p="http://schemas.microsoft.com/office/2006/metadata/properties" xmlns:xsi="http://www.w3.org/2001/XMLSchema-instance" xmlns:pc="http://schemas.microsoft.com/office/infopath/2007/PartnerControls">
+  <documentManagement>
+    <MediaServiceKeyPoints xmlns="71af3243-3dd4-4a8d-8c0d-dd76da1f02a5" xsi:nil="true"/>
+  </documentManagement>
+</p:properties>
+</file>
+
+<file path=customXml/item2.xml><?xml version="1.0" encoding="utf-8"?>
 <?mso-contentType ?>
 <FormTemplates xmlns="http://schemas.microsoft.com/sharepoint/v3/contenttype/forms">
   <Display>DocumentLibraryForm</Display>
   <Edit>DocumentLibraryForm</Edit>
   <New>DocumentLibraryForm</New>
 </FormTemplates>
-</file>
-
-<file path=customXml/item2.xml><?xml version="1.0" encoding="utf-8"?>
-<p:properties xmlns:p="http://schemas.microsoft.com/office/2006/metadata/properties" xmlns:xsi="http://www.w3.org/2001/XMLSchema-instance" xmlns:pc="http://schemas.microsoft.com/office/infopath/2007/PartnerControls">
-  <documentManagement>
-    <MediaServiceKeyPoints xmlns="71af3243-3dd4-4a8d-8c0d-dd76da1f02a5" xsi:nil="true"/>
-  </documentManagement>
-</p:properties>
 </file>
 
 <file path=customXml/item3.xml><?xml version="1.0" encoding="utf-8"?>
@@ -9085,14 +9101,6 @@
 </file>
 
 <file path=customXml/itemProps1.xml><?xml version="1.0" encoding="utf-8"?>
-<ds:datastoreItem xmlns:ds="http://schemas.openxmlformats.org/officeDocument/2006/customXml" ds:itemID="{BA0CF3B2-1F0F-4FC5-8002-3E4869ABAD55}">
-  <ds:schemaRefs>
-    <ds:schemaRef ds:uri="http://schemas.microsoft.com/sharepoint/v3/contenttype/forms"/>
-  </ds:schemaRefs>
-</ds:datastoreItem>
-</file>
-
-<file path=customXml/itemProps2.xml><?xml version="1.0" encoding="utf-8"?>
 <ds:datastoreItem xmlns:ds="http://schemas.openxmlformats.org/officeDocument/2006/customXml" ds:itemID="{1EBC12AA-1C15-4500-BC9C-8EE83A441DE9}">
   <ds:schemaRefs>
     <ds:schemaRef ds:uri="http://schemas.microsoft.com/office/2006/metadata/properties"/>
@@ -9105,6 +9113,14 @@
     <ds:schemaRef ds:uri="http://schemas.openxmlformats.org/package/2006/metadata/core-properties"/>
     <ds:schemaRef ds:uri="http://www.w3.org/XML/1998/namespace"/>
     <ds:schemaRef ds:uri="http://purl.org/dc/terms/"/>
+  </ds:schemaRefs>
+</ds:datastoreItem>
+</file>
+
+<file path=customXml/itemProps2.xml><?xml version="1.0" encoding="utf-8"?>
+<ds:datastoreItem xmlns:ds="http://schemas.openxmlformats.org/officeDocument/2006/customXml" ds:itemID="{BA0CF3B2-1F0F-4FC5-8002-3E4869ABAD55}">
+  <ds:schemaRefs>
+    <ds:schemaRef ds:uri="http://schemas.microsoft.com/sharepoint/v3/contenttype/forms"/>
   </ds:schemaRefs>
 </ds:datastoreItem>
 </file>

--- a/Документация/Презентация по Проектной работе «Search Profession».pptx
+++ b/Документация/Презентация по Проектной работе «Search Profession».pptx
@@ -234,7 +234,7 @@
           <a:p>
             <a:fld id="{89BBDA83-60F2-4E0C-99F1-3B198C71DA2A}" type="datetimeFigureOut">
               <a:rPr lang="ru-RU" smtClean="0"/>
-              <a:t>10.05.2022</a:t>
+              <a:t>13.05.2022</a:t>
             </a:fld>
             <a:endParaRPr lang="ru-RU" dirty="0"/>
           </a:p>
@@ -411,7 +411,7 @@
           <a:p>
             <a:fld id="{A07E1020-F5BA-43CF-AAA9-C04B3B12EF98}" type="datetimeFigureOut">
               <a:rPr lang="ru-RU" smtClean="0"/>
-              <a:t>10.05.2022</a:t>
+              <a:t>13.05.2022</a:t>
             </a:fld>
             <a:endParaRPr lang="ru-RU" dirty="0"/>
           </a:p>
@@ -1353,7 +1353,7 @@
             <a:pPr rtl="0"/>
             <a:fld id="{45C8F0DE-DCFB-4354-8112-588B45C19F1A}" type="datetime1">
               <a:rPr lang="ru-RU" smtClean="0"/>
-              <a:t>10.05.2022</a:t>
+              <a:t>13.05.2022</a:t>
             </a:fld>
             <a:endParaRPr lang="ru-RU" dirty="0"/>
           </a:p>
@@ -1627,7 +1627,7 @@
             <a:pPr rtl="0"/>
             <a:fld id="{4DB28829-F9CE-4A60-BAD2-B30F1BE4EFBD}" type="datetime1">
               <a:rPr lang="ru-RU" smtClean="0"/>
-              <a:t>10.05.2022</a:t>
+              <a:t>13.05.2022</a:t>
             </a:fld>
             <a:endParaRPr lang="ru-RU" dirty="0"/>
           </a:p>
@@ -1874,7 +1874,7 @@
             <a:pPr rtl="0"/>
             <a:fld id="{17638BE5-3B62-4C03-A438-E1216F2C074B}" type="datetime1">
               <a:rPr lang="ru-RU" smtClean="0"/>
-              <a:t>10.05.2022</a:t>
+              <a:t>13.05.2022</a:t>
             </a:fld>
             <a:endParaRPr lang="ru-RU" dirty="0"/>
           </a:p>
@@ -2126,7 +2126,7 @@
             <a:pPr rtl="0"/>
             <a:fld id="{1E87B0E0-754C-4477-80CA-88F8319B7DB8}" type="datetime1">
               <a:rPr lang="ru-RU" smtClean="0"/>
-              <a:t>10.05.2022</a:t>
+              <a:t>13.05.2022</a:t>
             </a:fld>
             <a:endParaRPr lang="ru-RU" dirty="0"/>
           </a:p>
@@ -2445,7 +2445,7 @@
             <a:pPr rtl="0"/>
             <a:fld id="{9317EAC1-6C84-442C-8E88-63BE1308B9AD}" type="datetime1">
               <a:rPr lang="ru-RU" smtClean="0"/>
-              <a:t>10.05.2022</a:t>
+              <a:t>13.05.2022</a:t>
             </a:fld>
             <a:endParaRPr lang="ru-RU" dirty="0"/>
           </a:p>
@@ -2759,7 +2759,7 @@
             <a:pPr rtl="0"/>
             <a:fld id="{56B404C7-1C11-4173-AE97-ACE1CDB1DA83}" type="datetime1">
               <a:rPr lang="ru-RU" smtClean="0"/>
-              <a:t>10.05.2022</a:t>
+              <a:t>13.05.2022</a:t>
             </a:fld>
             <a:endParaRPr lang="ru-RU" dirty="0"/>
           </a:p>
@@ -3193,7 +3193,7 @@
             <a:pPr rtl="0"/>
             <a:fld id="{81A08C9A-F61E-410C-8D06-F83B63A4711B}" type="datetime1">
               <a:rPr lang="ru-RU" smtClean="0"/>
-              <a:t>10.05.2022</a:t>
+              <a:t>13.05.2022</a:t>
             </a:fld>
             <a:endParaRPr lang="ru-RU" dirty="0"/>
           </a:p>
@@ -3292,7 +3292,7 @@
             <a:pPr rtl="0"/>
             <a:fld id="{06D3CD88-AC87-4FC1-8AA2-0F05556AC852}" type="datetime1">
               <a:rPr lang="ru-RU" smtClean="0"/>
-              <a:t>10.05.2022</a:t>
+              <a:t>13.05.2022</a:t>
             </a:fld>
             <a:endParaRPr lang="ru-RU" dirty="0"/>
           </a:p>
@@ -3466,7 +3466,7 @@
             <a:pPr rtl="0"/>
             <a:fld id="{F1B0009C-43A7-442E-9A53-3E5FB03870F2}" type="datetime1">
               <a:rPr lang="ru-RU" smtClean="0"/>
-              <a:t>10.05.2022</a:t>
+              <a:t>13.05.2022</a:t>
             </a:fld>
             <a:endParaRPr lang="ru-RU" dirty="0"/>
           </a:p>
@@ -3856,7 +3856,7 @@
             <a:pPr rtl="0"/>
             <a:fld id="{D9AADAC3-179B-49AA-A8D7-B2E70D0E899B}" type="datetime1">
               <a:rPr lang="ru-RU" smtClean="0"/>
-              <a:t>10.05.2022</a:t>
+              <a:t>13.05.2022</a:t>
             </a:fld>
             <a:endParaRPr lang="ru-RU" dirty="0"/>
           </a:p>
@@ -4151,7 +4151,7 @@
             <a:pPr rtl="0"/>
             <a:fld id="{6BE95E6D-EE8A-4AB4-A6E4-CDAE9E775FB7}" type="datetime1">
               <a:rPr lang="ru-RU" smtClean="0"/>
-              <a:t>10.05.2022</a:t>
+              <a:t>13.05.2022</a:t>
             </a:fld>
             <a:endParaRPr lang="ru-RU" dirty="0"/>
           </a:p>
@@ -4367,7 +4367,7 @@
             <a:pPr rtl="0"/>
             <a:fld id="{585DD959-E34E-4321-8E46-EA4484D707DA}" type="datetime1">
               <a:rPr lang="ru-RU" smtClean="0"/>
-              <a:t>10.05.2022</a:t>
+              <a:t>13.05.2022</a:t>
             </a:fld>
             <a:endParaRPr lang="ru-RU" dirty="0"/>
           </a:p>
@@ -5009,7 +5009,7 @@
                 <a16:creationId xmlns:a16="http://schemas.microsoft.com/office/drawing/2014/main" id="{493D4EDA-58E0-40CC-B3CA-14CDEB349D24}"/>
               </a:ext>
               <a:ext uri="{C183D7F6-B498-43B3-948B-1728B52AA6E4}">
-                <adec:decorative xmlns:adec="http://schemas.microsoft.com/office/drawing/2017/decorative" val="1"/>
+                <adec:decorative xmlns:adec="http://schemas.microsoft.com/office/drawing/2017/decorative" xmlns="" val="1"/>
               </a:ext>
             </a:extLst>
           </p:cNvPr>
@@ -5104,7 +5104,7 @@
                 <a16:creationId xmlns:a16="http://schemas.microsoft.com/office/drawing/2014/main" id="{AA9EB0BC-A85E-4C26-B355-5DFCEF6CCB49}"/>
               </a:ext>
               <a:ext uri="{C183D7F6-B498-43B3-948B-1728B52AA6E4}">
-                <adec:decorative xmlns:adec="http://schemas.microsoft.com/office/drawing/2017/decorative" val="1"/>
+                <adec:decorative xmlns:adec="http://schemas.microsoft.com/office/drawing/2017/decorative" xmlns="" val="1"/>
               </a:ext>
             </a:extLst>
           </p:cNvPr>
@@ -5135,7 +5135,7 @@
                   <a16:creationId xmlns:a16="http://schemas.microsoft.com/office/drawing/2014/main" id="{3643E56B-BD42-413D-B17D-7958270F5DE4}"/>
                 </a:ext>
                 <a:ext uri="{C183D7F6-B498-43B3-948B-1728B52AA6E4}">
-                  <adec:decorative xmlns:adec="http://schemas.microsoft.com/office/drawing/2017/decorative" val="1"/>
+                  <adec:decorative xmlns:adec="http://schemas.microsoft.com/office/drawing/2017/decorative" xmlns="" val="1"/>
                 </a:ext>
               </a:extLst>
             </p:cNvPr>
@@ -5187,7 +5187,7 @@
                   <a16:creationId xmlns:a16="http://schemas.microsoft.com/office/drawing/2014/main" id="{96C04F74-9467-4FA5-95DC-8D481A29740E}"/>
                 </a:ext>
                 <a:ext uri="{C183D7F6-B498-43B3-948B-1728B52AA6E4}">
-                  <adec:decorative xmlns:adec="http://schemas.microsoft.com/office/drawing/2017/decorative" val="1"/>
+                  <adec:decorative xmlns:adec="http://schemas.microsoft.com/office/drawing/2017/decorative" xmlns="" val="1"/>
                 </a:ext>
               </a:extLst>
             </p:cNvPr>
@@ -5239,7 +5239,7 @@
                   <a16:creationId xmlns:a16="http://schemas.microsoft.com/office/drawing/2014/main" id="{D73DE1C3-5C37-42E9-A3F0-256F1938327C}"/>
                 </a:ext>
                 <a:ext uri="{C183D7F6-B498-43B3-948B-1728B52AA6E4}">
-                  <adec:decorative xmlns:adec="http://schemas.microsoft.com/office/drawing/2017/decorative" val="1"/>
+                  <adec:decorative xmlns:adec="http://schemas.microsoft.com/office/drawing/2017/decorative" xmlns="" val="1"/>
                 </a:ext>
               </a:extLst>
             </p:cNvPr>
@@ -5292,7 +5292,7 @@
                 <a16:creationId xmlns:a16="http://schemas.microsoft.com/office/drawing/2014/main" id="{4A2E7EC3-E07C-46CE-9B25-41865A50681C}"/>
               </a:ext>
               <a:ext uri="{C183D7F6-B498-43B3-948B-1728B52AA6E4}">
-                <adec:decorative xmlns:adec="http://schemas.microsoft.com/office/drawing/2017/decorative" val="1"/>
+                <adec:decorative xmlns:adec="http://schemas.microsoft.com/office/drawing/2017/decorative" xmlns="" val="1"/>
               </a:ext>
             </a:extLst>
           </p:cNvPr>
@@ -5376,7 +5376,7 @@
           <a:lstStyle/>
           <a:p>
             <a:r>
-              <a:rPr lang="ru-RU" sz="3200" dirty="0">
+              <a:rPr lang="ru-RU" dirty="0">
                 <a:solidFill>
                   <a:schemeClr val="bg1"/>
                 </a:solidFill>
@@ -5384,15 +5384,23 @@
               </a:rPr>
               <a:t>Презентация по Проектной работе:</a:t>
             </a:r>
+            <a:r>
+              <a:rPr lang="ru-RU" dirty="0">
+                <a:solidFill>
+                  <a:schemeClr val="bg1"/>
+                </a:solidFill>
+              </a:rPr>
+              <a:t/>
+            </a:r>
             <a:br>
-              <a:rPr lang="ru-RU" sz="3200" dirty="0">
+              <a:rPr lang="ru-RU" dirty="0">
                 <a:solidFill>
                   <a:schemeClr val="bg1"/>
                 </a:solidFill>
               </a:rPr>
             </a:br>
             <a:r>
-              <a:rPr lang="ru-RU" sz="3200" dirty="0">
+              <a:rPr lang="ru-RU" dirty="0">
                 <a:solidFill>
                   <a:schemeClr val="bg1"/>
                 </a:solidFill>
@@ -5401,7 +5409,7 @@
               <a:t>«Search </a:t>
             </a:r>
             <a:r>
-              <a:rPr lang="ru-RU" sz="3200" dirty="0" err="1">
+              <a:rPr lang="ru-RU" dirty="0" err="1">
                 <a:solidFill>
                   <a:schemeClr val="bg1"/>
                 </a:solidFill>
@@ -5410,7 +5418,7 @@
               <a:t>Profession</a:t>
             </a:r>
             <a:r>
-              <a:rPr lang="ru-RU" sz="3200" dirty="0">
+              <a:rPr lang="ru-RU" dirty="0">
                 <a:solidFill>
                   <a:schemeClr val="bg1"/>
                 </a:solidFill>
@@ -5469,11 +5477,13 @@
         </p:nvSpPr>
         <p:spPr/>
         <p:txBody>
-          <a:bodyPr/>
+          <a:bodyPr>
+            <a:normAutofit/>
+          </a:bodyPr>
           <a:lstStyle/>
           <a:p>
             <a:r>
-              <a:rPr lang="ru-RU" dirty="0"/>
+              <a:rPr lang="ru-RU" sz="3600" dirty="0"/>
               <a:t>Демонстрация результатов</a:t>
             </a:r>
           </a:p>
@@ -5497,108 +5507,116 @@
         </p:nvSpPr>
         <p:spPr>
           <a:xfrm>
-            <a:off x="581192" y="2180496"/>
-            <a:ext cx="2971684" cy="3678303"/>
+            <a:off x="581191" y="2180496"/>
+            <a:ext cx="6085615" cy="3678303"/>
           </a:xfrm>
         </p:spPr>
         <p:txBody>
-          <a:bodyPr/>
+          <a:bodyPr>
+            <a:normAutofit/>
+          </a:bodyPr>
           <a:lstStyle/>
           <a:p>
             <a:pPr marL="305435" indent="-305435"/>
             <a:r>
-              <a:rPr lang="en-US" dirty="0" err="1">
-                <a:latin typeface="Gill Sans MT"/>
+              <a:rPr lang="en-US" sz="2800" b="1" dirty="0" err="1">
+                <a:latin typeface="Corbel" panose="020B0503020204020204" pitchFamily="34" charset="0"/>
               </a:rPr>
               <a:t>Данный</a:t>
             </a:r>
             <a:r>
-              <a:rPr lang="en-US" dirty="0">
-                <a:latin typeface="Gill Sans MT"/>
+              <a:rPr lang="en-US" sz="2800" dirty="0">
+                <a:latin typeface="Corbel" panose="020B0503020204020204" pitchFamily="34" charset="0"/>
               </a:rPr>
-              <a:t> QR </a:t>
-            </a:r>
-            <a:r>
-              <a:rPr lang="en-US" dirty="0" err="1">
-                <a:latin typeface="Gill Sans MT"/>
+              <a:t> </a:t>
+            </a:r>
+            <a:r>
+              <a:rPr lang="en-US" sz="2800" b="1" dirty="0">
+                <a:latin typeface="Corbel" panose="020B0503020204020204" pitchFamily="34" charset="0"/>
+              </a:rPr>
+              <a:t>QR </a:t>
+            </a:r>
+            <a:r>
+              <a:rPr lang="en-US" sz="2800" b="1" dirty="0" err="1">
+                <a:latin typeface="Corbel" panose="020B0503020204020204" pitchFamily="34" charset="0"/>
               </a:rPr>
               <a:t>код</a:t>
             </a:r>
             <a:r>
-              <a:rPr lang="en-US" dirty="0">
-                <a:latin typeface="Gill Sans MT"/>
+              <a:rPr lang="en-US" sz="2800" b="1" dirty="0">
+                <a:latin typeface="Corbel" panose="020B0503020204020204" pitchFamily="34" charset="0"/>
               </a:rPr>
               <a:t> </a:t>
             </a:r>
             <a:r>
-              <a:rPr lang="en-US" dirty="0" err="1">
-                <a:latin typeface="Gill Sans MT"/>
+              <a:rPr lang="en-US" sz="2800" dirty="0" err="1">
+                <a:latin typeface="Corbel" panose="020B0503020204020204" pitchFamily="34" charset="0"/>
               </a:rPr>
               <a:t>позволяет</a:t>
             </a:r>
             <a:r>
-              <a:rPr lang="en-US" dirty="0">
-                <a:latin typeface="Gill Sans MT"/>
+              <a:rPr lang="en-US" sz="2800" dirty="0">
+                <a:latin typeface="Corbel" panose="020B0503020204020204" pitchFamily="34" charset="0"/>
               </a:rPr>
               <a:t> </a:t>
             </a:r>
             <a:r>
-              <a:rPr lang="en-US" dirty="0" err="1">
-                <a:latin typeface="Gill Sans MT"/>
+              <a:rPr lang="en-US" sz="2800" dirty="0" err="1">
+                <a:latin typeface="Corbel" panose="020B0503020204020204" pitchFamily="34" charset="0"/>
               </a:rPr>
               <a:t>ознакомиться</a:t>
             </a:r>
             <a:r>
-              <a:rPr lang="en-US" dirty="0">
-                <a:latin typeface="Gill Sans MT"/>
+              <a:rPr lang="en-US" sz="2800" dirty="0">
+                <a:latin typeface="Corbel" panose="020B0503020204020204" pitchFamily="34" charset="0"/>
               </a:rPr>
               <a:t> с </a:t>
             </a:r>
             <a:r>
-              <a:rPr lang="en-US" dirty="0" err="1">
-                <a:latin typeface="Gill Sans MT"/>
+              <a:rPr lang="en-US" sz="2800" dirty="0" err="1">
+                <a:latin typeface="Corbel" panose="020B0503020204020204" pitchFamily="34" charset="0"/>
               </a:rPr>
               <a:t>работающим</a:t>
             </a:r>
             <a:r>
-              <a:rPr lang="en-US" dirty="0">
-                <a:latin typeface="Gill Sans MT"/>
+              <a:rPr lang="en-US" sz="2800" dirty="0">
+                <a:latin typeface="Corbel" panose="020B0503020204020204" pitchFamily="34" charset="0"/>
               </a:rPr>
               <a:t> </a:t>
             </a:r>
             <a:r>
-              <a:rPr lang="en-US" dirty="0" err="1">
-                <a:latin typeface="Gill Sans MT"/>
+              <a:rPr lang="en-US" sz="2800" dirty="0" err="1">
+                <a:latin typeface="Corbel" panose="020B0503020204020204" pitchFamily="34" charset="0"/>
               </a:rPr>
               <a:t>ботом</a:t>
             </a:r>
             <a:r>
-              <a:rPr lang="en-US" dirty="0">
-                <a:latin typeface="Gill Sans MT"/>
+              <a:rPr lang="en-US" sz="2800" dirty="0">
+                <a:latin typeface="Corbel" panose="020B0503020204020204" pitchFamily="34" charset="0"/>
               </a:rPr>
               <a:t> в </a:t>
             </a:r>
             <a:r>
-              <a:rPr lang="en-US" dirty="0" err="1">
-                <a:latin typeface="Gill Sans MT"/>
+              <a:rPr lang="en-US" sz="2800" dirty="0" err="1">
+                <a:latin typeface="Corbel" panose="020B0503020204020204" pitchFamily="34" charset="0"/>
               </a:rPr>
               <a:t>реальном</a:t>
             </a:r>
             <a:r>
-              <a:rPr lang="en-US" dirty="0">
-                <a:latin typeface="Gill Sans MT"/>
+              <a:rPr lang="en-US" sz="2800" dirty="0">
+                <a:latin typeface="Corbel" panose="020B0503020204020204" pitchFamily="34" charset="0"/>
               </a:rPr>
               <a:t> </a:t>
             </a:r>
             <a:r>
-              <a:rPr lang="en-US" dirty="0" err="1">
-                <a:latin typeface="Gill Sans MT"/>
+              <a:rPr lang="en-US" sz="2800" dirty="0" err="1">
+                <a:latin typeface="Corbel" panose="020B0503020204020204" pitchFamily="34" charset="0"/>
               </a:rPr>
               <a:t>времени</a:t>
             </a:r>
             <a:r>
-              <a:rPr lang="en-US" dirty="0">
-                <a:latin typeface="Gill Sans MT"/>
+              <a:rPr lang="en-US" sz="2800" dirty="0">
+                <a:latin typeface="Corbel" panose="020B0503020204020204" pitchFamily="34" charset="0"/>
               </a:rPr>
               <a:t>.</a:t>
             </a:r>
@@ -5683,11 +5701,13 @@
         </p:nvSpPr>
         <p:spPr/>
         <p:txBody>
-          <a:bodyPr/>
+          <a:bodyPr>
+            <a:normAutofit/>
+          </a:bodyPr>
           <a:lstStyle/>
           <a:p>
             <a:r>
-              <a:rPr lang="ru-RU" dirty="0"/>
+              <a:rPr lang="ru-RU" sz="3600" dirty="0"/>
               <a:t>Перспективы развития</a:t>
             </a:r>
           </a:p>
@@ -5711,51 +5731,63 @@
         </p:nvSpPr>
         <p:spPr/>
         <p:txBody>
-          <a:bodyPr/>
+          <a:bodyPr>
+            <a:noAutofit/>
+          </a:bodyPr>
           <a:lstStyle/>
           <a:p>
-            <a:pPr marL="0" indent="0">
+            <a:pPr marL="0" indent="0" algn="just">
               <a:buNone/>
             </a:pPr>
             <a:r>
-              <a:rPr lang="ru-RU" dirty="0"/>
-              <a:t>В качестве перспектив развития, хотелось бы отметить несколько идей:</a:t>
-            </a:r>
-          </a:p>
-          <a:p>
-            <a:pPr marL="305435" indent="-305435">
+              <a:rPr lang="ru-RU" sz="2400" b="1" dirty="0"/>
+              <a:t>В качестве перспектив развития</a:t>
+            </a:r>
+            <a:r>
+              <a:rPr lang="ru-RU" sz="2400" dirty="0"/>
+              <a:t>, хотелось бы отметить несколько идей:</a:t>
+            </a:r>
+          </a:p>
+          <a:p>
+            <a:pPr marL="305435" indent="-305435" algn="just">
               <a:buFont typeface="Wingdings" panose="05000000000000000000" pitchFamily="2" charset="2"/>
               <a:buChar char="§"/>
             </a:pPr>
             <a:r>
-              <a:rPr lang="ru-RU" dirty="0">
-                <a:latin typeface="Corbel"/>
-              </a:rPr>
-              <a:t>Самым главным, является последующее добавление большего спектра выбора профессий, а также увеличения количества фильтров, что будет как удобно, так и достаточно эффективно</a:t>
-            </a:r>
-          </a:p>
-          <a:p>
-            <a:pPr marL="305435" indent="-305435">
+              <a:rPr lang="ru-RU" sz="2400" b="1" dirty="0"/>
+              <a:t>Самым главным</a:t>
+            </a:r>
+            <a:r>
+              <a:rPr lang="ru-RU" sz="2400" dirty="0"/>
+              <a:t>, является последующее добавление большего спектра выбора профессий, а также увеличения количества фильтров, что будет как удобно, так и достаточно эффективно</a:t>
+            </a:r>
+          </a:p>
+          <a:p>
+            <a:pPr marL="305435" indent="-305435" algn="just">
               <a:buFont typeface="Wingdings" panose="05000000000000000000" pitchFamily="2" charset="2"/>
               <a:buChar char="§"/>
             </a:pPr>
             <a:r>
-              <a:rPr lang="ru-RU" dirty="0">
-                <a:latin typeface="Corbel"/>
-              </a:rPr>
-              <a:t>Второе, что хотелось бы, так это учесть фактор того, что люди не только из Москвы могли бы воспользоваться данным решением, так что стоит рассматривать и другие города, возможно, и другие страны</a:t>
-            </a:r>
-          </a:p>
-          <a:p>
-            <a:pPr marL="305435" indent="-305435">
+              <a:rPr lang="ru-RU" sz="2400" b="1" dirty="0"/>
+              <a:t>Второе</a:t>
+            </a:r>
+            <a:r>
+              <a:rPr lang="ru-RU" sz="2400" dirty="0"/>
+              <a:t>, что хотелось бы, так это учесть фактор того, что люди не только из Москвы могли бы воспользоваться данным решением, так что стоит рассматривать и другие города, возможно, и другие страны</a:t>
+            </a:r>
+          </a:p>
+          <a:p>
+            <a:pPr marL="305435" indent="-305435" algn="just">
               <a:buFont typeface="Wingdings" panose="05000000000000000000" pitchFamily="2" charset="2"/>
               <a:buChar char="§"/>
             </a:pPr>
             <a:r>
-              <a:rPr lang="ru-RU" dirty="0">
-                <a:latin typeface="Corbel"/>
-              </a:rPr>
-              <a:t>Последним этапом послужит улучшение строкового анализа при просмотре вакансий, а также рассмотрение удалённых мест работы</a:t>
+              <a:rPr lang="ru-RU" sz="2400" b="1" dirty="0"/>
+              <a:t>Последним этапом </a:t>
+            </a:r>
+            <a:r>
+              <a:rPr lang="ru-RU" sz="2400" dirty="0"/>
+              <a:t>послужит улучшение строкового анализа при просмотре вакансий, а также рассмотрение удалённых мест работы</a:t>
             </a:r>
           </a:p>
         </p:txBody>
@@ -5806,7 +5838,7 @@
                 <a16:creationId xmlns:a16="http://schemas.microsoft.com/office/drawing/2014/main" id="{379F11E2-8BA5-4C5C-AE7C-361E5EA011FF}"/>
               </a:ext>
               <a:ext uri="{C183D7F6-B498-43B3-948B-1728B52AA6E4}">
-                <adec:decorative xmlns:adec="http://schemas.microsoft.com/office/drawing/2017/decorative" val="1"/>
+                <adec:decorative xmlns:adec="http://schemas.microsoft.com/office/drawing/2017/decorative" xmlns="" val="1"/>
               </a:ext>
             </a:extLst>
           </p:cNvPr>
@@ -5901,7 +5933,7 @@
                 <a16:creationId xmlns:a16="http://schemas.microsoft.com/office/drawing/2014/main" id="{7C00E1DA-EC7C-40FC-95E3-11FDCD2E4291}"/>
               </a:ext>
               <a:ext uri="{C183D7F6-B498-43B3-948B-1728B52AA6E4}">
-                <adec:decorative xmlns:adec="http://schemas.microsoft.com/office/drawing/2017/decorative" val="1"/>
+                <adec:decorative xmlns:adec="http://schemas.microsoft.com/office/drawing/2017/decorative" xmlns="" val="1"/>
               </a:ext>
             </a:extLst>
           </p:cNvPr>
@@ -6002,7 +6034,7 @@
                 <a16:creationId xmlns:a16="http://schemas.microsoft.com/office/drawing/2014/main" id="{9A421166-2996-41A7-B094-AE5316F347DD}"/>
               </a:ext>
               <a:ext uri="{C183D7F6-B498-43B3-948B-1728B52AA6E4}">
-                <adec:decorative xmlns:adec="http://schemas.microsoft.com/office/drawing/2017/decorative" val="1"/>
+                <adec:decorative xmlns:adec="http://schemas.microsoft.com/office/drawing/2017/decorative" xmlns="" val="1"/>
               </a:ext>
             </a:extLst>
           </p:cNvPr>
@@ -6033,7 +6065,7 @@
                   <a16:creationId xmlns:a16="http://schemas.microsoft.com/office/drawing/2014/main" id="{FDBB1B92-A3EB-43E4-8FAB-D20E8ED14CEF}"/>
                 </a:ext>
                 <a:ext uri="{C183D7F6-B498-43B3-948B-1728B52AA6E4}">
-                  <adec:decorative xmlns:adec="http://schemas.microsoft.com/office/drawing/2017/decorative" val="1"/>
+                  <adec:decorative xmlns:adec="http://schemas.microsoft.com/office/drawing/2017/decorative" xmlns="" val="1"/>
                 </a:ext>
               </a:extLst>
             </p:cNvPr>
@@ -6085,7 +6117,7 @@
                   <a16:creationId xmlns:a16="http://schemas.microsoft.com/office/drawing/2014/main" id="{3F3972F4-FE7E-48EA-AAD8-9BE5750A6672}"/>
                 </a:ext>
                 <a:ext uri="{C183D7F6-B498-43B3-948B-1728B52AA6E4}">
-                  <adec:decorative xmlns:adec="http://schemas.microsoft.com/office/drawing/2017/decorative" val="1"/>
+                  <adec:decorative xmlns:adec="http://schemas.microsoft.com/office/drawing/2017/decorative" xmlns="" val="1"/>
                 </a:ext>
               </a:extLst>
             </p:cNvPr>
@@ -6137,7 +6169,7 @@
                   <a16:creationId xmlns:a16="http://schemas.microsoft.com/office/drawing/2014/main" id="{221614E5-870B-4D5E-A43B-8FF7E5323484}"/>
                 </a:ext>
                 <a:ext uri="{C183D7F6-B498-43B3-948B-1728B52AA6E4}">
-                  <adec:decorative xmlns:adec="http://schemas.microsoft.com/office/drawing/2017/decorative" val="1"/>
+                  <adec:decorative xmlns:adec="http://schemas.microsoft.com/office/drawing/2017/decorative" xmlns="" val="1"/>
                 </a:ext>
               </a:extLst>
             </p:cNvPr>
@@ -6220,127 +6252,6 @@
           <a:chExt cx="0" cy="0"/>
         </a:xfrm>
       </p:grpSpPr>
-      <p:sp useBgFill="1">
-        <p:nvSpPr>
-          <p:cNvPr id="22" name="Прямоугольник 21">
-            <a:extLst>
-              <a:ext uri="{FF2B5EF4-FFF2-40B4-BE49-F238E27FC236}">
-                <a16:creationId xmlns:a16="http://schemas.microsoft.com/office/drawing/2014/main" id="{BFDA9692-ECDC-4B59-86B2-8C90FDE1A055}"/>
-              </a:ext>
-              <a:ext uri="{C183D7F6-B498-43B3-948B-1728B52AA6E4}">
-                <adec:decorative xmlns:adec="http://schemas.microsoft.com/office/drawing/2017/decorative" val="1"/>
-              </a:ext>
-            </a:extLst>
-          </p:cNvPr>
-          <p:cNvSpPr>
-            <a:spLocks noGrp="1" noRot="1" noChangeAspect="1" noMove="1" noResize="1" noEditPoints="1" noAdjustHandles="1" noChangeArrowheads="1" noChangeShapeType="1" noTextEdit="1"/>
-          </p:cNvSpPr>
-          <p:nvPr>
-            <p:extLst>
-              <p:ext uri="{386F3935-93C4-4BCD-93E2-E3B085C9AB24}">
-                <p16:designElem xmlns:p16="http://schemas.microsoft.com/office/powerpoint/2015/main" val="1"/>
-              </p:ext>
-            </p:extLst>
-          </p:nvPr>
-        </p:nvSpPr>
-        <p:spPr>
-          <a:xfrm>
-            <a:off x="0" y="536712"/>
-            <a:ext cx="12192000" cy="6321287"/>
-          </a:xfrm>
-          <a:prstGeom prst="rect">
-            <a:avLst/>
-          </a:prstGeom>
-          <a:ln>
-            <a:noFill/>
-          </a:ln>
-        </p:spPr>
-        <p:style>
-          <a:lnRef idx="2">
-            <a:schemeClr val="accent1">
-              <a:shade val="50000"/>
-            </a:schemeClr>
-          </a:lnRef>
-          <a:fillRef idx="1">
-            <a:schemeClr val="accent1"/>
-          </a:fillRef>
-          <a:effectRef idx="0">
-            <a:schemeClr val="accent1"/>
-          </a:effectRef>
-          <a:fontRef idx="minor">
-            <a:schemeClr val="lt1"/>
-          </a:fontRef>
-        </p:style>
-        <p:txBody>
-          <a:bodyPr rtlCol="0" anchor="ctr"/>
-          <a:lstStyle/>
-          <a:p>
-            <a:pPr algn="ctr" rtl="0"/>
-            <a:endParaRPr lang="ru-RU" dirty="0"/>
-          </a:p>
-        </p:txBody>
-      </p:sp>
-      <p:sp>
-        <p:nvSpPr>
-          <p:cNvPr id="24" name="Прямоугольник 23">
-            <a:extLst>
-              <a:ext uri="{FF2B5EF4-FFF2-40B4-BE49-F238E27FC236}">
-                <a16:creationId xmlns:a16="http://schemas.microsoft.com/office/drawing/2014/main" id="{12C05506-42A1-49C0-9D87-081CCD9023D6}"/>
-              </a:ext>
-              <a:ext uri="{C183D7F6-B498-43B3-948B-1728B52AA6E4}">
-                <adec:decorative xmlns:adec="http://schemas.microsoft.com/office/drawing/2017/decorative" val="1"/>
-              </a:ext>
-            </a:extLst>
-          </p:cNvPr>
-          <p:cNvSpPr>
-            <a:spLocks noGrp="1" noRot="1" noChangeAspect="1" noMove="1" noResize="1" noEditPoints="1" noAdjustHandles="1" noChangeArrowheads="1" noChangeShapeType="1" noTextEdit="1"/>
-          </p:cNvSpPr>
-          <p:nvPr>
-            <p:extLst>
-              <p:ext uri="{386F3935-93C4-4BCD-93E2-E3B085C9AB24}">
-                <p16:designElem xmlns:p16="http://schemas.microsoft.com/office/powerpoint/2015/main" val="1"/>
-              </p:ext>
-            </p:extLst>
-          </p:nvPr>
-        </p:nvSpPr>
-        <p:spPr>
-          <a:xfrm>
-            <a:off x="447817" y="5141974"/>
-            <a:ext cx="11290860" cy="1258827"/>
-          </a:xfrm>
-          <a:prstGeom prst="rect">
-            <a:avLst/>
-          </a:prstGeom>
-          <a:solidFill>
-            <a:schemeClr val="accent1"/>
-          </a:solidFill>
-          <a:ln>
-            <a:noFill/>
-          </a:ln>
-          <a:effectLst/>
-        </p:spPr>
-        <p:style>
-          <a:lnRef idx="1">
-            <a:schemeClr val="accent1"/>
-          </a:lnRef>
-          <a:fillRef idx="3">
-            <a:schemeClr val="accent1"/>
-          </a:fillRef>
-          <a:effectRef idx="2">
-            <a:schemeClr val="accent1"/>
-          </a:effectRef>
-          <a:fontRef idx="minor">
-            <a:schemeClr val="lt1"/>
-          </a:fontRef>
-        </p:style>
-        <p:txBody>
-          <a:bodyPr/>
-          <a:lstStyle/>
-          <a:p>
-            <a:endParaRPr lang="ru-RU" dirty="0"/>
-          </a:p>
-        </p:txBody>
-      </p:sp>
       <p:sp>
         <p:nvSpPr>
           <p:cNvPr id="2" name="Заголовок 1">
@@ -6357,12 +6268,7 @@
             <p:ph type="title"/>
           </p:nvPr>
         </p:nvSpPr>
-        <p:spPr>
-          <a:xfrm>
-            <a:off x="581192" y="5264487"/>
-            <a:ext cx="11029616" cy="718870"/>
-          </a:xfrm>
-        </p:spPr>
+        <p:spPr/>
         <p:txBody>
           <a:bodyPr rtlCol="0">
             <a:normAutofit/>
@@ -6371,7 +6277,7 @@
           <a:p>
             <a:pPr rtl="0"/>
             <a:r>
-              <a:rPr lang="ru-RU" dirty="0">
+              <a:rPr lang="ru-RU" sz="3600" dirty="0">
                 <a:solidFill>
                   <a:srgbClr val="FFFEFF"/>
                 </a:solidFill>
@@ -6397,29 +6303,26 @@
             <p:ph idx="1"/>
           </p:nvPr>
         </p:nvSpPr>
-        <p:spPr>
-          <a:xfrm>
-            <a:off x="578439" y="1000192"/>
-            <a:ext cx="11029615" cy="3678303"/>
-          </a:xfrm>
-        </p:spPr>
-        <p:txBody>
-          <a:bodyPr/>
+        <p:spPr/>
+        <p:txBody>
+          <a:bodyPr>
+            <a:normAutofit/>
+          </a:bodyPr>
           <a:lstStyle/>
           <a:p>
-            <a:pPr marL="0" indent="0">
+            <a:pPr marL="0" indent="0" algn="just">
               <a:buNone/>
             </a:pPr>
             <a:r>
-              <a:rPr lang="ru-RU" b="1" dirty="0">
+              <a:rPr lang="ru-RU" sz="2800" b="1" dirty="0" smtClean="0">
                 <a:latin typeface="Corbel"/>
                 <a:ea typeface="+mn-lt"/>
                 <a:cs typeface="+mn-lt"/>
               </a:rPr>
-              <a:t>Проблема </a:t>
-            </a:r>
-            <a:r>
-              <a:rPr lang="ru-RU" dirty="0">
+              <a:t>	Проблема </a:t>
+            </a:r>
+            <a:r>
+              <a:rPr lang="ru-RU" sz="2800" dirty="0">
                 <a:latin typeface="Corbel"/>
                 <a:ea typeface="+mn-lt"/>
                 <a:cs typeface="+mn-lt"/>
@@ -6485,12 +6388,14 @@
         </p:nvSpPr>
         <p:spPr/>
         <p:txBody>
-          <a:bodyPr rtlCol="0"/>
+          <a:bodyPr rtlCol="0">
+            <a:normAutofit/>
+          </a:bodyPr>
           <a:lstStyle/>
           <a:p>
             <a:pPr rtl="0"/>
             <a:r>
-              <a:rPr lang="ru-RU" dirty="0"/>
+              <a:rPr lang="ru-RU" sz="3600" dirty="0"/>
               <a:t>Конкуренты</a:t>
             </a:r>
           </a:p>
@@ -6524,7 +6429,7 @@
         </p:blipFill>
         <p:spPr>
           <a:xfrm>
-            <a:off x="581025" y="2231480"/>
+            <a:off x="581193" y="2468634"/>
             <a:ext cx="5422900" cy="3625353"/>
           </a:xfrm>
         </p:spPr>
@@ -6545,54 +6450,103 @@
             <p:ph sz="half" idx="2"/>
           </p:nvPr>
         </p:nvSpPr>
-        <p:spPr/>
-        <p:txBody>
-          <a:bodyPr/>
+        <p:spPr>
+          <a:xfrm>
+            <a:off x="6188417" y="2468634"/>
+            <a:ext cx="5422392" cy="3633047"/>
+          </a:xfrm>
+        </p:spPr>
+        <p:txBody>
+          <a:bodyPr>
+            <a:noAutofit/>
+          </a:bodyPr>
           <a:lstStyle/>
           <a:p>
-            <a:pPr marL="0" indent="0">
+            <a:pPr marL="0" indent="0" algn="just">
               <a:buNone/>
             </a:pPr>
             <a:r>
-              <a:rPr lang="ru-RU" dirty="0">
+              <a:rPr lang="ru-RU" sz="2400" dirty="0" smtClean="0">
                 <a:latin typeface="Corbel"/>
               </a:rPr>
-              <a:t>Конкуренты для данной программы представляют собой аналогичные сервисы, что получают данные непосредственно с сайтов по поиску работы (например: </a:t>
-            </a:r>
-            <a:r>
-              <a:rPr lang="ru-RU" dirty="0" err="1">
+              <a:t>	</a:t>
+            </a:r>
+            <a:r>
+              <a:rPr lang="ru-RU" sz="2400" b="1" dirty="0" smtClean="0">
+                <a:latin typeface="Corbel"/>
+              </a:rPr>
+              <a:t>Конкуренты</a:t>
+            </a:r>
+            <a:r>
+              <a:rPr lang="ru-RU" sz="2400" dirty="0" smtClean="0">
+                <a:latin typeface="Corbel"/>
+              </a:rPr>
+              <a:t> </a:t>
+            </a:r>
+            <a:r>
+              <a:rPr lang="ru-RU" sz="2400" dirty="0">
+                <a:latin typeface="Corbel"/>
+              </a:rPr>
+              <a:t>для данной программы представляют собой аналогичные сервисы, что получают данные непосредственно с сайтов по поиску работы (например: </a:t>
+            </a:r>
+            <a:r>
+              <a:rPr lang="ru-RU" sz="2400" dirty="0" err="1">
                 <a:latin typeface="Corbel"/>
               </a:rPr>
               <a:t>Авито</a:t>
             </a:r>
             <a:r>
-              <a:rPr lang="ru-RU" dirty="0">
+              <a:rPr lang="ru-RU" sz="2400" dirty="0">
                 <a:latin typeface="Corbel"/>
               </a:rPr>
               <a:t>, </a:t>
             </a:r>
             <a:r>
-              <a:rPr lang="ru-RU" dirty="0" err="1">
+              <a:rPr lang="ru-RU" sz="2400" dirty="0" err="1">
                 <a:latin typeface="Corbel"/>
               </a:rPr>
               <a:t>HeadHunter</a:t>
             </a:r>
             <a:r>
-              <a:rPr lang="ru-RU" dirty="0">
+              <a:rPr lang="ru-RU" sz="2400" dirty="0">
                 <a:latin typeface="Corbel"/>
               </a:rPr>
-              <a:t> и другие менее известные).</a:t>
-            </a:r>
-            <a:br>
-              <a:rPr lang="ru-RU" dirty="0">
+              <a:t> и </a:t>
+            </a:r>
+            <a:r>
+              <a:rPr lang="ru-RU" sz="2400" dirty="0" smtClean="0">
                 <a:latin typeface="Corbel"/>
               </a:rPr>
-            </a:br>
-            <a:r>
-              <a:rPr lang="ru-RU" dirty="0">
+              <a:t>другие).</a:t>
+            </a:r>
+          </a:p>
+          <a:p>
+            <a:pPr marL="0" indent="0" algn="just">
+              <a:buNone/>
+            </a:pPr>
+            <a:r>
+              <a:rPr lang="ru-RU" sz="2400" dirty="0" smtClean="0">
                 <a:latin typeface="Corbel"/>
               </a:rPr>
-              <a:t>Проблема данных сервисов будет представлена в дальнейшем при анализе конкурентов, которые в большинстве своём большую часть функций продают, так что просто так ими пользоваться получится с трудом.</a:t>
+              <a:t>	</a:t>
+            </a:r>
+            <a:r>
+              <a:rPr lang="ru-RU" sz="2400" b="1" dirty="0" smtClean="0">
+                <a:latin typeface="Corbel"/>
+              </a:rPr>
+              <a:t>Проблема</a:t>
+            </a:r>
+            <a:r>
+              <a:rPr lang="ru-RU" sz="2400" dirty="0" smtClean="0">
+                <a:latin typeface="Corbel"/>
+              </a:rPr>
+              <a:t> </a:t>
+            </a:r>
+            <a:r>
+              <a:rPr lang="ru-RU" sz="2400" dirty="0">
+                <a:latin typeface="Corbel"/>
+              </a:rPr>
+              <a:t>данных сервисов будет представлена в дальнейшем при анализе конкурентов, которые в большинстве своём большую часть функций продают, так что просто так ими пользоваться получится с трудом.</a:t>
             </a:r>
           </a:p>
         </p:txBody>
@@ -6653,12 +6607,14 @@
         </p:nvSpPr>
         <p:spPr/>
         <p:txBody>
-          <a:bodyPr rtlCol="0"/>
+          <a:bodyPr rtlCol="0">
+            <a:normAutofit/>
+          </a:bodyPr>
           <a:lstStyle/>
           <a:p>
             <a:pPr rtl="0"/>
             <a:r>
-              <a:rPr lang="ru-RU" dirty="0"/>
+              <a:rPr lang="ru-RU" sz="3600" dirty="0"/>
               <a:t>Конкуренты</a:t>
             </a:r>
           </a:p>
@@ -6963,6 +6919,14 @@
                           </a:solidFill>
                         </a:rPr>
                         <a:t>Процесс поиска</a:t>
+                      </a:r>
+                      <a:r>
+                        <a:rPr lang="ru-RU" b="1" dirty="0">
+                          <a:solidFill>
+                            <a:srgbClr val="FFFFFF"/>
+                          </a:solidFill>
+                        </a:rPr>
+                        <a:t/>
                       </a:r>
                       <a:br>
                         <a:rPr lang="ru-RU" b="1" dirty="0">
@@ -7357,11 +7321,13 @@
         </p:nvSpPr>
         <p:spPr/>
         <p:txBody>
-          <a:bodyPr/>
+          <a:bodyPr>
+            <a:normAutofit/>
+          </a:bodyPr>
           <a:lstStyle/>
           <a:p>
             <a:r>
-              <a:rPr lang="ru-RU" dirty="0"/>
+              <a:rPr lang="ru-RU" sz="3600" dirty="0"/>
               <a:t>Решение проблемы</a:t>
             </a:r>
           </a:p>
@@ -7385,35 +7351,53 @@
         </p:nvSpPr>
         <p:spPr/>
         <p:txBody>
-          <a:bodyPr/>
+          <a:bodyPr>
+            <a:normAutofit/>
+          </a:bodyPr>
           <a:lstStyle/>
           <a:p>
-            <a:pPr marL="0" indent="0">
+            <a:pPr marL="0" indent="0" algn="just">
               <a:buNone/>
             </a:pPr>
             <a:r>
-              <a:rPr lang="ru-RU" dirty="0">
+              <a:rPr lang="ru-RU" sz="2800" b="1" dirty="0" smtClean="0">
                 <a:latin typeface="Corbel"/>
               </a:rPr>
-              <a:t>Решение проблемы и заключается в создании данной программы.</a:t>
+              <a:t>	Решение</a:t>
+            </a:r>
+            <a:r>
+              <a:rPr lang="ru-RU" sz="2800" dirty="0" smtClean="0">
+                <a:latin typeface="Corbel"/>
+              </a:rPr>
+              <a:t> </a:t>
+            </a:r>
+            <a:r>
+              <a:rPr lang="ru-RU" sz="2800" dirty="0">
+                <a:latin typeface="Corbel"/>
+              </a:rPr>
+              <a:t>проблемы и заключается в создании данной программы.</a:t>
+            </a:r>
+            <a:r>
+              <a:rPr lang="ru-RU" sz="2800" dirty="0"/>
+              <a:t/>
             </a:r>
             <a:br>
-              <a:rPr lang="ru-RU" dirty="0"/>
+              <a:rPr lang="ru-RU" sz="2800" dirty="0"/>
             </a:br>
             <a:r>
-              <a:rPr lang="ru-RU" dirty="0">
+              <a:rPr lang="ru-RU" sz="2800" dirty="0">
                 <a:latin typeface="Corbel"/>
               </a:rPr>
               <a:t>Данный бот представляет собой интересную и удобную систему поиска вакансий с помощью сервиса </a:t>
             </a:r>
             <a:r>
-              <a:rPr lang="ru-RU" dirty="0" err="1">
+              <a:rPr lang="ru-RU" sz="2800" dirty="0" err="1">
                 <a:latin typeface="Corbel"/>
               </a:rPr>
               <a:t>HeadHunter</a:t>
             </a:r>
             <a:r>
-              <a:rPr lang="ru-RU" dirty="0">
+              <a:rPr lang="ru-RU" sz="2800" dirty="0">
                 <a:latin typeface="Corbel"/>
               </a:rPr>
               <a:t>, что представит пользователю возможность получить требуемую ему вакансию в минимальное количество действий.</a:t>
@@ -7469,11 +7453,13 @@
         </p:nvSpPr>
         <p:spPr/>
         <p:txBody>
-          <a:bodyPr/>
+          <a:bodyPr>
+            <a:normAutofit/>
+          </a:bodyPr>
           <a:lstStyle/>
           <a:p>
             <a:r>
-              <a:rPr lang="ru-RU" dirty="0"/>
+              <a:rPr lang="ru-RU" sz="3600" dirty="0"/>
               <a:t>Уникальная ценность</a:t>
             </a:r>
           </a:p>
@@ -7497,17 +7483,37 @@
         </p:nvSpPr>
         <p:spPr/>
         <p:txBody>
-          <a:bodyPr/>
+          <a:bodyPr>
+            <a:normAutofit/>
+          </a:bodyPr>
           <a:lstStyle/>
           <a:p>
-            <a:pPr marL="0" indent="0">
+            <a:pPr marL="0" indent="0" algn="just">
               <a:buNone/>
             </a:pPr>
             <a:r>
-              <a:rPr lang="ru-RU" dirty="0">
+              <a:rPr lang="ru-RU" sz="2400" dirty="0" smtClean="0">
                 <a:latin typeface="Corbel"/>
               </a:rPr>
-              <a:t>Уникальная ценность нашего решения заключается в удобстве для пользователя, а также отсутствии дополнительных функций за реальную стоимость на данный момент. Также непосредственной ценностью выступает то, что наше решение постоянно получает новые обновления, в связи с чем наш продукт с временем становится только лучше, пока как большинство конкурентов остаются на той же стадии не валидного продукта.</a:t>
+              <a:t>	</a:t>
+            </a:r>
+            <a:r>
+              <a:rPr lang="ru-RU" sz="2400" b="1" dirty="0" smtClean="0">
+                <a:latin typeface="Corbel"/>
+              </a:rPr>
+              <a:t>Уникальная </a:t>
+            </a:r>
+            <a:r>
+              <a:rPr lang="ru-RU" sz="2400" b="1" dirty="0">
+                <a:latin typeface="Corbel"/>
+              </a:rPr>
+              <a:t>ценность </a:t>
+            </a:r>
+            <a:r>
+              <a:rPr lang="ru-RU" sz="2400" dirty="0">
+                <a:latin typeface="Corbel"/>
+              </a:rPr>
+              <a:t>нашего решения заключается в удобстве для пользователя, а также отсутствии дополнительных функций за реальную стоимость на данный момент. Также непосредственной ценностью выступает то, что наше решение постоянно получает новые обновления, в связи с чем наш продукт с временем становится только лучше, пока как большинство конкурентов остаются на той же стадии не валидного продукта.</a:t>
             </a:r>
           </a:p>
         </p:txBody>
@@ -7560,11 +7566,13 @@
         </p:nvSpPr>
         <p:spPr/>
         <p:txBody>
-          <a:bodyPr/>
+          <a:bodyPr>
+            <a:normAutofit/>
+          </a:bodyPr>
           <a:lstStyle/>
           <a:p>
             <a:r>
-              <a:rPr lang="ru-RU" dirty="0"/>
+              <a:rPr lang="ru-RU" sz="3600" dirty="0"/>
               <a:t>Архитектура</a:t>
             </a:r>
           </a:p>
@@ -7614,8 +7622,8 @@
         </p:nvSpPr>
         <p:spPr>
           <a:xfrm>
-            <a:off x="672790" y="2512741"/>
-            <a:ext cx="3830443" cy="369332"/>
+            <a:off x="664477" y="2348167"/>
+            <a:ext cx="3300694" cy="830997"/>
           </a:xfrm>
           <a:prstGeom prst="rect">
             <a:avLst/>
@@ -7631,8 +7639,9 @@
           </a:bodyPr>
           <a:lstStyle/>
           <a:p>
-            <a:r>
-              <a:rPr lang="ru-RU" dirty="0">
+            <a:pPr algn="just"/>
+            <a:r>
+              <a:rPr lang="ru-RU" sz="2400" dirty="0">
                 <a:latin typeface="Corbel"/>
               </a:rPr>
               <a:t>Связь между частями программы:</a:t>
@@ -7684,8 +7693,8 @@
         </p:nvSpPr>
         <p:spPr>
           <a:xfrm>
-            <a:off x="5737302" y="2001643"/>
-            <a:ext cx="5754028" cy="646331"/>
+            <a:off x="5428212" y="1912576"/>
+            <a:ext cx="6483926" cy="830997"/>
           </a:xfrm>
           <a:prstGeom prst="rect">
             <a:avLst/>
@@ -7701,20 +7710,21 @@
           </a:bodyPr>
           <a:lstStyle/>
           <a:p>
-            <a:r>
-              <a:rPr lang="ru-RU" dirty="0">
+            <a:pPr algn="just"/>
+            <a:r>
+              <a:rPr lang="ru-RU" sz="2400" dirty="0">
                 <a:latin typeface="Corbel"/>
               </a:rPr>
               <a:t>Архитектура взаимодействия с Базой данных и получения данных с сервиса </a:t>
             </a:r>
             <a:r>
-              <a:rPr lang="ru-RU" dirty="0" err="1">
+              <a:rPr lang="ru-RU" sz="2400" dirty="0" err="1">
                 <a:latin typeface="Corbel"/>
               </a:rPr>
               <a:t>HeadHunter</a:t>
             </a:r>
             <a:r>
-              <a:rPr lang="ru-RU" dirty="0">
+              <a:rPr lang="ru-RU" sz="2400" dirty="0">
                 <a:latin typeface="Corbel"/>
               </a:rPr>
               <a:t>:</a:t>
@@ -7770,11 +7780,13 @@
         </p:nvSpPr>
         <p:spPr/>
         <p:txBody>
-          <a:bodyPr/>
+          <a:bodyPr>
+            <a:normAutofit/>
+          </a:bodyPr>
           <a:lstStyle/>
           <a:p>
             <a:r>
-              <a:rPr lang="ru-RU" dirty="0"/>
+              <a:rPr lang="ru-RU" sz="3600" dirty="0"/>
               <a:t>Архитектура</a:t>
             </a:r>
           </a:p>
@@ -7795,7 +7807,7 @@
         <p:spPr>
           <a:xfrm>
             <a:off x="449766" y="1945887"/>
-            <a:ext cx="4573857" cy="830997"/>
+            <a:ext cx="4828816" cy="1384995"/>
           </a:xfrm>
           <a:prstGeom prst="rect">
             <a:avLst/>
@@ -7811,8 +7823,9 @@
           </a:bodyPr>
           <a:lstStyle/>
           <a:p>
-            <a:r>
-              <a:rPr lang="ru-RU" sz="2400" dirty="0">
+            <a:pPr algn="just"/>
+            <a:r>
+              <a:rPr lang="ru-RU" sz="2800" dirty="0">
                 <a:latin typeface="Corbel"/>
               </a:rPr>
               <a:t>Архитектура программного кода бота представляет собой:</a:t>
@@ -7842,8 +7855,8 @@
         </p:blipFill>
         <p:spPr>
           <a:xfrm>
-            <a:off x="5356302" y="1941286"/>
-            <a:ext cx="4183565" cy="4536599"/>
+            <a:off x="5278582" y="606829"/>
+            <a:ext cx="6463677" cy="5875657"/>
           </a:xfrm>
           <a:prstGeom prst="rect">
             <a:avLst/>
@@ -7898,11 +7911,13 @@
         </p:nvSpPr>
         <p:spPr/>
         <p:txBody>
-          <a:bodyPr/>
+          <a:bodyPr>
+            <a:normAutofit/>
+          </a:bodyPr>
           <a:lstStyle/>
           <a:p>
             <a:r>
-              <a:rPr lang="ru-RU" dirty="0"/>
+              <a:rPr lang="ru-RU" sz="3600" dirty="0"/>
               <a:t>Этапы разработки</a:t>
             </a:r>
           </a:p>
@@ -7926,77 +7941,108 @@
         </p:nvSpPr>
         <p:spPr/>
         <p:txBody>
-          <a:bodyPr/>
+          <a:bodyPr>
+            <a:noAutofit/>
+          </a:bodyPr>
           <a:lstStyle/>
           <a:p>
-            <a:pPr marL="0" indent="0">
+            <a:pPr marL="0" indent="0" algn="just">
               <a:buNone/>
             </a:pPr>
             <a:r>
-              <a:rPr lang="ru-RU" dirty="0"/>
-              <a:t>Сама разработка находилась на нескольких этапах, о которых дальше и пойдёт речь:</a:t>
-            </a:r>
-          </a:p>
-          <a:p>
-            <a:pPr marL="305435" indent="-305435">
+              <a:rPr lang="ru-RU" sz="2400" b="1" dirty="0"/>
+              <a:t>Сама разработка </a:t>
+            </a:r>
+            <a:r>
+              <a:rPr lang="ru-RU" sz="2400" dirty="0"/>
+              <a:t>находилась на нескольких </a:t>
+            </a:r>
+            <a:r>
+              <a:rPr lang="ru-RU" sz="2400" dirty="0" smtClean="0"/>
+              <a:t>этапах:</a:t>
+            </a:r>
+          </a:p>
+          <a:p>
+            <a:pPr algn="just"/>
+            <a:r>
+              <a:rPr lang="ru-RU" sz="2400" b="1" dirty="0" smtClean="0">
+                <a:latin typeface="Corbel"/>
+              </a:rPr>
+              <a:t>Первым </a:t>
+            </a:r>
+            <a:r>
+              <a:rPr lang="ru-RU" sz="2400" b="1" dirty="0">
+                <a:latin typeface="Corbel"/>
+              </a:rPr>
+              <a:t>этапом </a:t>
+            </a:r>
+            <a:r>
+              <a:rPr lang="ru-RU" sz="2400" dirty="0">
+                <a:latin typeface="Corbel"/>
+              </a:rPr>
+              <a:t>являлось обсуждение с преподавателем идейной реализации проектной работы, в том числе и обсуждении данной идеей с коллегой по проектной работе</a:t>
+            </a:r>
+          </a:p>
+          <a:p>
+            <a:pPr marL="305435" indent="-305435" algn="just">
               <a:buFont typeface="Wingdings" panose="05000000000000000000" pitchFamily="2" charset="2"/>
               <a:buChar char="§"/>
             </a:pPr>
             <a:r>
-              <a:rPr lang="ru-RU" dirty="0">
+              <a:rPr lang="ru-RU" sz="2400" b="1" dirty="0">
                 <a:latin typeface="Corbel"/>
               </a:rPr>
-              <a:t>Первым этапом являлось обсуждение с преподавателем идейной реализации проектной работы, в том числе и обсуждении данной идеей с коллегой по проектной работе</a:t>
-            </a:r>
-          </a:p>
-          <a:p>
-            <a:pPr marL="305435" indent="-305435">
+              <a:t>Вторым этапом </a:t>
+            </a:r>
+            <a:r>
+              <a:rPr lang="ru-RU" sz="2400" dirty="0">
+                <a:latin typeface="Corbel"/>
+              </a:rPr>
+              <a:t>являлось создание параллельная разработка двух частей программы, одна из которых предстаёт в лице "</a:t>
+            </a:r>
+            <a:r>
+              <a:rPr lang="ru-RU" sz="2400" dirty="0" err="1">
+                <a:latin typeface="Corbel"/>
+              </a:rPr>
+              <a:t>backend</a:t>
+            </a:r>
+            <a:r>
+              <a:rPr lang="ru-RU" sz="2400" dirty="0">
+                <a:latin typeface="Corbel"/>
+              </a:rPr>
+              <a:t>" для совершения запросов на сервис </a:t>
+            </a:r>
+            <a:r>
+              <a:rPr lang="ru-RU" sz="2400" dirty="0" err="1">
+                <a:latin typeface="Corbel"/>
+              </a:rPr>
+              <a:t>HeadHunter</a:t>
+            </a:r>
+            <a:r>
+              <a:rPr lang="ru-RU" sz="2400" dirty="0">
+                <a:latin typeface="Corbel"/>
+              </a:rPr>
+              <a:t>, а вторая предстаёт в лице самого бота</a:t>
+            </a:r>
+          </a:p>
+          <a:p>
+            <a:pPr marL="305435" indent="-305435" algn="just">
               <a:buFont typeface="Wingdings" panose="05000000000000000000" pitchFamily="2" charset="2"/>
               <a:buChar char="§"/>
             </a:pPr>
             <a:r>
-              <a:rPr lang="ru-RU" dirty="0">
+              <a:rPr lang="ru-RU" sz="2400" b="1" dirty="0">
                 <a:latin typeface="Corbel"/>
               </a:rPr>
-              <a:t>Вторым этапом являлось создание параллельная разработка двух частей программы, одна из которых предстаёт в лице "</a:t>
-            </a:r>
-            <a:r>
-              <a:rPr lang="ru-RU" dirty="0" err="1">
+              <a:t>Третьим этапом </a:t>
+            </a:r>
+            <a:r>
+              <a:rPr lang="ru-RU" sz="2400" dirty="0">
                 <a:latin typeface="Corbel"/>
               </a:rPr>
-              <a:t>backend</a:t>
-            </a:r>
-            <a:r>
-              <a:rPr lang="ru-RU" dirty="0">
-                <a:latin typeface="Corbel"/>
-              </a:rPr>
-              <a:t>" для совершения запросов на сервис </a:t>
-            </a:r>
-            <a:r>
-              <a:rPr lang="ru-RU" dirty="0" err="1">
-                <a:latin typeface="Corbel"/>
-              </a:rPr>
-              <a:t>HeadHunter</a:t>
-            </a:r>
-            <a:r>
-              <a:rPr lang="ru-RU" dirty="0">
-                <a:latin typeface="Corbel"/>
-              </a:rPr>
-              <a:t>, а вторая предстаёт в лице самого бота</a:t>
-            </a:r>
-          </a:p>
-          <a:p>
-            <a:pPr marL="305435" indent="-305435">
-              <a:buFont typeface="Wingdings" panose="05000000000000000000" pitchFamily="2" charset="2"/>
-              <a:buChar char="§"/>
-            </a:pPr>
-            <a:r>
-              <a:rPr lang="ru-RU" dirty="0">
-                <a:latin typeface="Corbel"/>
-              </a:rPr>
-              <a:t>Третьим этапом являлось окончательное завершение разработки «тыльной стороны» программы, а также последующее соединение двух частей программы</a:t>
-            </a:r>
-            <a:endParaRPr lang="ru-RU" dirty="0"/>
+              <a:t>являлось окончательное завершение разработки «тыльной стороны» программы, а также последующее соединение двух частей программы</a:t>
+            </a:r>
+            <a:endParaRPr lang="ru-RU" sz="2400" dirty="0"/>
           </a:p>
         </p:txBody>
       </p:sp>
@@ -8873,20 +8919,20 @@
 </file>
 
 <file path=customXml/item1.xml><?xml version="1.0" encoding="utf-8"?>
-<p:properties xmlns:p="http://schemas.microsoft.com/office/2006/metadata/properties" xmlns:xsi="http://www.w3.org/2001/XMLSchema-instance" xmlns:pc="http://schemas.microsoft.com/office/infopath/2007/PartnerControls">
-  <documentManagement>
-    <MediaServiceKeyPoints xmlns="71af3243-3dd4-4a8d-8c0d-dd76da1f02a5" xsi:nil="true"/>
-  </documentManagement>
-</p:properties>
-</file>
-
-<file path=customXml/item2.xml><?xml version="1.0" encoding="utf-8"?>
 <?mso-contentType ?>
 <FormTemplates xmlns="http://schemas.microsoft.com/sharepoint/v3/contenttype/forms">
   <Display>DocumentLibraryForm</Display>
   <Edit>DocumentLibraryForm</Edit>
   <New>DocumentLibraryForm</New>
 </FormTemplates>
+</file>
+
+<file path=customXml/item2.xml><?xml version="1.0" encoding="utf-8"?>
+<p:properties xmlns:p="http://schemas.microsoft.com/office/2006/metadata/properties" xmlns:xsi="http://www.w3.org/2001/XMLSchema-instance" xmlns:pc="http://schemas.microsoft.com/office/infopath/2007/PartnerControls">
+  <documentManagement>
+    <MediaServiceKeyPoints xmlns="71af3243-3dd4-4a8d-8c0d-dd76da1f02a5" xsi:nil="true"/>
+  </documentManagement>
+</p:properties>
 </file>
 
 <file path=customXml/item3.xml><?xml version="1.0" encoding="utf-8"?>
@@ -9101,6 +9147,14 @@
 </file>
 
 <file path=customXml/itemProps1.xml><?xml version="1.0" encoding="utf-8"?>
+<ds:datastoreItem xmlns:ds="http://schemas.openxmlformats.org/officeDocument/2006/customXml" ds:itemID="{BA0CF3B2-1F0F-4FC5-8002-3E4869ABAD55}">
+  <ds:schemaRefs>
+    <ds:schemaRef ds:uri="http://schemas.microsoft.com/sharepoint/v3/contenttype/forms"/>
+  </ds:schemaRefs>
+</ds:datastoreItem>
+</file>
+
+<file path=customXml/itemProps2.xml><?xml version="1.0" encoding="utf-8"?>
 <ds:datastoreItem xmlns:ds="http://schemas.openxmlformats.org/officeDocument/2006/customXml" ds:itemID="{1EBC12AA-1C15-4500-BC9C-8EE83A441DE9}">
   <ds:schemaRefs>
     <ds:schemaRef ds:uri="http://schemas.microsoft.com/office/2006/metadata/properties"/>
@@ -9113,14 +9167,6 @@
     <ds:schemaRef ds:uri="http://schemas.openxmlformats.org/package/2006/metadata/core-properties"/>
     <ds:schemaRef ds:uri="http://www.w3.org/XML/1998/namespace"/>
     <ds:schemaRef ds:uri="http://purl.org/dc/terms/"/>
-  </ds:schemaRefs>
-</ds:datastoreItem>
-</file>
-
-<file path=customXml/itemProps2.xml><?xml version="1.0" encoding="utf-8"?>
-<ds:datastoreItem xmlns:ds="http://schemas.openxmlformats.org/officeDocument/2006/customXml" ds:itemID="{BA0CF3B2-1F0F-4FC5-8002-3E4869ABAD55}">
-  <ds:schemaRefs>
-    <ds:schemaRef ds:uri="http://schemas.microsoft.com/sharepoint/v3/contenttype/forms"/>
   </ds:schemaRefs>
 </ds:datastoreItem>
 </file>

--- a/Документация/Презентация по Проектной работе «Search Profession».pptx
+++ b/Документация/Презентация по Проектной работе «Search Profession».pptx
@@ -5519,7 +5519,7 @@
           <a:p>
             <a:pPr marL="305435" indent="-305435"/>
             <a:r>
-              <a:rPr lang="en-US" sz="2800" b="1" dirty="0" err="1">
+              <a:rPr lang="en-US" sz="2800" b="1" dirty="0">
                 <a:latin typeface="Corbel" panose="020B0503020204020204" pitchFamily="34" charset="0"/>
               </a:rPr>
               <a:t>Данный</a:t>
@@ -5534,91 +5534,13 @@
               <a:rPr lang="en-US" sz="2800" b="1" dirty="0">
                 <a:latin typeface="Corbel" panose="020B0503020204020204" pitchFamily="34" charset="0"/>
               </a:rPr>
-              <a:t>QR </a:t>
-            </a:r>
-            <a:r>
-              <a:rPr lang="en-US" sz="2800" b="1" dirty="0" err="1">
-                <a:latin typeface="Corbel" panose="020B0503020204020204" pitchFamily="34" charset="0"/>
-              </a:rPr>
-              <a:t>код</a:t>
-            </a:r>
-            <a:r>
-              <a:rPr lang="en-US" sz="2800" b="1" dirty="0">
-                <a:latin typeface="Corbel" panose="020B0503020204020204" pitchFamily="34" charset="0"/>
-              </a:rPr>
-              <a:t> </a:t>
-            </a:r>
-            <a:r>
-              <a:rPr lang="en-US" sz="2800" dirty="0" err="1">
-                <a:latin typeface="Corbel" panose="020B0503020204020204" pitchFamily="34" charset="0"/>
-              </a:rPr>
-              <a:t>позволяет</a:t>
+              <a:t>QR код </a:t>
             </a:r>
             <a:r>
               <a:rPr lang="en-US" sz="2800" dirty="0">
                 <a:latin typeface="Corbel" panose="020B0503020204020204" pitchFamily="34" charset="0"/>
               </a:rPr>
-              <a:t> </a:t>
-            </a:r>
-            <a:r>
-              <a:rPr lang="en-US" sz="2800" dirty="0" err="1">
-                <a:latin typeface="Corbel" panose="020B0503020204020204" pitchFamily="34" charset="0"/>
-              </a:rPr>
-              <a:t>ознакомиться</a:t>
-            </a:r>
-            <a:r>
-              <a:rPr lang="en-US" sz="2800" dirty="0">
-                <a:latin typeface="Corbel" panose="020B0503020204020204" pitchFamily="34" charset="0"/>
-              </a:rPr>
-              <a:t> с </a:t>
-            </a:r>
-            <a:r>
-              <a:rPr lang="en-US" sz="2800" dirty="0" err="1">
-                <a:latin typeface="Corbel" panose="020B0503020204020204" pitchFamily="34" charset="0"/>
-              </a:rPr>
-              <a:t>работающим</a:t>
-            </a:r>
-            <a:r>
-              <a:rPr lang="en-US" sz="2800" dirty="0">
-                <a:latin typeface="Corbel" panose="020B0503020204020204" pitchFamily="34" charset="0"/>
-              </a:rPr>
-              <a:t> </a:t>
-            </a:r>
-            <a:r>
-              <a:rPr lang="en-US" sz="2800" dirty="0" err="1">
-                <a:latin typeface="Corbel" panose="020B0503020204020204" pitchFamily="34" charset="0"/>
-              </a:rPr>
-              <a:t>ботом</a:t>
-            </a:r>
-            <a:r>
-              <a:rPr lang="en-US" sz="2800" dirty="0">
-                <a:latin typeface="Corbel" panose="020B0503020204020204" pitchFamily="34" charset="0"/>
-              </a:rPr>
-              <a:t> в </a:t>
-            </a:r>
-            <a:r>
-              <a:rPr lang="en-US" sz="2800" dirty="0" err="1">
-                <a:latin typeface="Corbel" panose="020B0503020204020204" pitchFamily="34" charset="0"/>
-              </a:rPr>
-              <a:t>реальном</a:t>
-            </a:r>
-            <a:r>
-              <a:rPr lang="en-US" sz="2800" dirty="0">
-                <a:latin typeface="Corbel" panose="020B0503020204020204" pitchFamily="34" charset="0"/>
-              </a:rPr>
-              <a:t> </a:t>
-            </a:r>
-            <a:r>
-              <a:rPr lang="en-US" sz="2800" dirty="0" err="1">
-                <a:latin typeface="Corbel" panose="020B0503020204020204" pitchFamily="34" charset="0"/>
-              </a:rPr>
-              <a:t>времени</a:t>
-            </a:r>
-            <a:r>
-              <a:rPr lang="en-US" sz="2800" dirty="0">
-                <a:latin typeface="Corbel" panose="020B0503020204020204" pitchFamily="34" charset="0"/>
-              </a:rPr>
-              <a:t>.</a:t>
+              <a:t>позволяет ознакомиться с работающим ботом в реальном времени.</a:t>
             </a:r>
           </a:p>
         </p:txBody>
@@ -6546,8 +6468,23 @@
               <a:rPr lang="ru-RU" sz="2400" dirty="0">
                 <a:latin typeface="Corbel"/>
               </a:rPr>
-              <a:t>данных сервисов будет представлена в дальнейшем при анализе конкурентов, которые в большинстве своём большую часть функций продают, так что просто так ими пользоваться получится с трудом.</a:t>
-            </a:r>
+              <a:t>данных сервисов будет представлена в дальнейшем при анализе </a:t>
+            </a:r>
+            <a:r>
+              <a:rPr lang="ru-RU" sz="2400" dirty="0" smtClean="0">
+                <a:latin typeface="Corbel"/>
+              </a:rPr>
+              <a:t>конкурентов</a:t>
+            </a:r>
+            <a:r>
+              <a:rPr lang="ru-RU" sz="2400" dirty="0">
+                <a:latin typeface="Corbel"/>
+              </a:rPr>
+              <a:t>.</a:t>
+            </a:r>
+            <a:endParaRPr lang="ru-RU" sz="2400" dirty="0">
+              <a:latin typeface="Corbel"/>
+            </a:endParaRPr>
           </a:p>
         </p:txBody>
       </p:sp>
@@ -6635,7 +6572,7 @@
           <p:nvPr>
             <p:extLst>
               <p:ext uri="{D42A27DB-BD31-4B8C-83A1-F6EECF244321}">
-                <p14:modId xmlns:p14="http://schemas.microsoft.com/office/powerpoint/2010/main" val="2337357211"/>
+                <p14:modId xmlns:p14="http://schemas.microsoft.com/office/powerpoint/2010/main" val="916989681"/>
               </p:ext>
             </p:extLst>
           </p:nvPr>
@@ -7160,13 +7097,39 @@
                         <a:buNone/>
                       </a:pPr>
                       <a:r>
-                        <a:rPr lang="ru-RU" sz="1800" b="1" i="0" u="none" strike="noStrike" noProof="0" dirty="0">
+                        <a:rPr lang="ru-RU" sz="1800" b="1" i="0" u="none" strike="noStrike" noProof="0" dirty="0" smtClean="0">
                           <a:solidFill>
                             <a:schemeClr val="bg1"/>
                           </a:solidFill>
                           <a:latin typeface="Corbel"/>
                         </a:rPr>
-                        <a:t>Платные функции</a:t>
+                        <a:t>Время</a:t>
+                      </a:r>
+                      <a:r>
+                        <a:rPr lang="ru-RU" sz="1800" b="1" i="0" u="none" strike="noStrike" baseline="0" noProof="0" dirty="0" smtClean="0">
+                          <a:solidFill>
+                            <a:schemeClr val="bg1"/>
+                          </a:solidFill>
+                          <a:latin typeface="Corbel"/>
+                        </a:rPr>
+                        <a:t> работы</a:t>
+                      </a:r>
+                      <a:br>
+                        <a:rPr lang="ru-RU" sz="1800" b="1" i="0" u="none" strike="noStrike" baseline="0" noProof="0" dirty="0" smtClean="0">
+                          <a:solidFill>
+                            <a:schemeClr val="bg1"/>
+                          </a:solidFill>
+                          <a:latin typeface="Corbel"/>
+                        </a:rPr>
+                      </a:br>
+                      <a:r>
+                        <a:rPr lang="ru-RU" sz="1800" b="1" i="0" u="none" strike="noStrike" baseline="0" noProof="0" dirty="0" smtClean="0">
+                          <a:solidFill>
+                            <a:schemeClr val="bg1"/>
+                          </a:solidFill>
+                          <a:latin typeface="Corbel"/>
+                        </a:rPr>
+                        <a:t>и поиска вакансий</a:t>
                       </a:r>
                       <a:endParaRPr lang="ru-RU" dirty="0"/>
                     </a:p>
@@ -7188,11 +7151,41 @@
                       <a:r>
                         <a:rPr lang="ru-RU" sz="4000" b="1" dirty="0">
                           <a:solidFill>
-                            <a:srgbClr val="00B050"/>
+                            <a:srgbClr val="FF0000"/>
                           </a:solidFill>
                         </a:rPr>
                         <a:t>-</a:t>
                       </a:r>
+                      <a:endParaRPr lang="ru-RU" sz="4000" b="1" dirty="0">
+                        <a:solidFill>
+                          <a:srgbClr val="FF0000"/>
+                        </a:solidFill>
+                      </a:endParaRPr>
+                    </a:p>
+                  </a:txBody>
+                  <a:tcPr anchor="ctr"/>
+                </a:tc>
+                <a:tc>
+                  <a:txBody>
+                    <a:bodyPr/>
+                    <a:lstStyle/>
+                    <a:p>
+                      <a:pPr lvl="0" algn="ctr">
+                        <a:buNone/>
+                      </a:pPr>
+                      <a:r>
+                        <a:rPr lang="ru-RU" sz="4000" b="1" dirty="0" smtClean="0">
+                          <a:solidFill>
+                            <a:srgbClr val="00B050"/>
+                          </a:solidFill>
+                        </a:rPr>
+                        <a:t>+</a:t>
+                      </a:r>
+                      <a:endParaRPr lang="ru-RU" sz="4000" b="1" dirty="0">
+                        <a:solidFill>
+                          <a:srgbClr val="00B050"/>
+                        </a:solidFill>
+                      </a:endParaRPr>
                     </a:p>
                   </a:txBody>
                   <a:tcPr anchor="ctr"/>
@@ -7211,8 +7204,9 @@
                             <a:srgbClr val="00B050"/>
                           </a:solidFill>
                         </a:rPr>
-                        <a:t>-</a:t>
+                        <a:t>+</a:t>
                       </a:r>
+                      <a:endParaRPr lang="ru-RU" dirty="0"/>
                     </a:p>
                   </a:txBody>
                   <a:tcPr anchor="ctr"/>
@@ -7231,28 +7225,7 @@
                             <a:srgbClr val="00B050"/>
                           </a:solidFill>
                         </a:rPr>
-                        <a:t>-</a:t>
-                      </a:r>
-                      <a:endParaRPr lang="ru-RU"/>
-                    </a:p>
-                  </a:txBody>
-                  <a:tcPr anchor="ctr"/>
-                </a:tc>
-                <a:tc>
-                  <a:txBody>
-                    <a:bodyPr/>
-                    <a:lstStyle/>
-                    <a:p>
-                      <a:pPr lvl="0" algn="ctr">
-                        <a:buNone/>
-                      </a:pPr>
-                      <a:r>
-                        <a:rPr lang="ru-RU" sz="4000" b="1" dirty="0">
-                          <a:solidFill>
-                            <a:srgbClr val="00B050"/>
-                          </a:solidFill>
-                        </a:rPr>
-                        <a:t>-</a:t>
+                        <a:t>+</a:t>
                       </a:r>
                       <a:endParaRPr lang="ru-RU" dirty="0">
                         <a:solidFill>
